--- a/PPT/专栏头图.pptx
+++ b/PPT/专栏头图.pptx
@@ -6,6 +6,7 @@
   </p:sldMasterIdLst>
   <p:sldIdLst>
     <p:sldId id="256" r:id="rId2"/>
+    <p:sldId id="257" r:id="rId3"/>
   </p:sldIdLst>
   <p:sldSz cx="12192000" cy="6858000"/>
   <p:notesSz cx="6858000" cy="9144000"/>
@@ -259,7 +260,7 @@
           <a:p>
             <a:fld id="{B31798F7-D3F0-4272-B481-19432C330F27}" type="datetimeFigureOut">
               <a:rPr lang="zh-CN" altLang="en-US" smtClean="0"/>
-              <a:t>2020/8/2</a:t>
+              <a:t>2020/8/3</a:t>
             </a:fld>
             <a:endParaRPr lang="zh-CN" altLang="en-US"/>
           </a:p>
@@ -457,7 +458,7 @@
           <a:p>
             <a:fld id="{B31798F7-D3F0-4272-B481-19432C330F27}" type="datetimeFigureOut">
               <a:rPr lang="zh-CN" altLang="en-US" smtClean="0"/>
-              <a:t>2020/8/2</a:t>
+              <a:t>2020/8/3</a:t>
             </a:fld>
             <a:endParaRPr lang="zh-CN" altLang="en-US"/>
           </a:p>
@@ -665,7 +666,7 @@
           <a:p>
             <a:fld id="{B31798F7-D3F0-4272-B481-19432C330F27}" type="datetimeFigureOut">
               <a:rPr lang="zh-CN" altLang="en-US" smtClean="0"/>
-              <a:t>2020/8/2</a:t>
+              <a:t>2020/8/3</a:t>
             </a:fld>
             <a:endParaRPr lang="zh-CN" altLang="en-US"/>
           </a:p>
@@ -863,7 +864,7 @@
           <a:p>
             <a:fld id="{B31798F7-D3F0-4272-B481-19432C330F27}" type="datetimeFigureOut">
               <a:rPr lang="zh-CN" altLang="en-US" smtClean="0"/>
-              <a:t>2020/8/2</a:t>
+              <a:t>2020/8/3</a:t>
             </a:fld>
             <a:endParaRPr lang="zh-CN" altLang="en-US"/>
           </a:p>
@@ -1138,7 +1139,7 @@
           <a:p>
             <a:fld id="{B31798F7-D3F0-4272-B481-19432C330F27}" type="datetimeFigureOut">
               <a:rPr lang="zh-CN" altLang="en-US" smtClean="0"/>
-              <a:t>2020/8/2</a:t>
+              <a:t>2020/8/3</a:t>
             </a:fld>
             <a:endParaRPr lang="zh-CN" altLang="en-US"/>
           </a:p>
@@ -1403,7 +1404,7 @@
           <a:p>
             <a:fld id="{B31798F7-D3F0-4272-B481-19432C330F27}" type="datetimeFigureOut">
               <a:rPr lang="zh-CN" altLang="en-US" smtClean="0"/>
-              <a:t>2020/8/2</a:t>
+              <a:t>2020/8/3</a:t>
             </a:fld>
             <a:endParaRPr lang="zh-CN" altLang="en-US"/>
           </a:p>
@@ -1815,7 +1816,7 @@
           <a:p>
             <a:fld id="{B31798F7-D3F0-4272-B481-19432C330F27}" type="datetimeFigureOut">
               <a:rPr lang="zh-CN" altLang="en-US" smtClean="0"/>
-              <a:t>2020/8/2</a:t>
+              <a:t>2020/8/3</a:t>
             </a:fld>
             <a:endParaRPr lang="zh-CN" altLang="en-US"/>
           </a:p>
@@ -1956,7 +1957,7 @@
           <a:p>
             <a:fld id="{B31798F7-D3F0-4272-B481-19432C330F27}" type="datetimeFigureOut">
               <a:rPr lang="zh-CN" altLang="en-US" smtClean="0"/>
-              <a:t>2020/8/2</a:t>
+              <a:t>2020/8/3</a:t>
             </a:fld>
             <a:endParaRPr lang="zh-CN" altLang="en-US"/>
           </a:p>
@@ -2069,7 +2070,7 @@
           <a:p>
             <a:fld id="{B31798F7-D3F0-4272-B481-19432C330F27}" type="datetimeFigureOut">
               <a:rPr lang="zh-CN" altLang="en-US" smtClean="0"/>
-              <a:t>2020/8/2</a:t>
+              <a:t>2020/8/3</a:t>
             </a:fld>
             <a:endParaRPr lang="zh-CN" altLang="en-US"/>
           </a:p>
@@ -2380,7 +2381,7 @@
           <a:p>
             <a:fld id="{B31798F7-D3F0-4272-B481-19432C330F27}" type="datetimeFigureOut">
               <a:rPr lang="zh-CN" altLang="en-US" smtClean="0"/>
-              <a:t>2020/8/2</a:t>
+              <a:t>2020/8/3</a:t>
             </a:fld>
             <a:endParaRPr lang="zh-CN" altLang="en-US"/>
           </a:p>
@@ -2668,7 +2669,7 @@
           <a:p>
             <a:fld id="{B31798F7-D3F0-4272-B481-19432C330F27}" type="datetimeFigureOut">
               <a:rPr lang="zh-CN" altLang="en-US" smtClean="0"/>
-              <a:t>2020/8/2</a:t>
+              <a:t>2020/8/3</a:t>
             </a:fld>
             <a:endParaRPr lang="zh-CN" altLang="en-US"/>
           </a:p>
@@ -2909,7 +2910,7 @@
           <a:p>
             <a:fld id="{B31798F7-D3F0-4272-B481-19432C330F27}" type="datetimeFigureOut">
               <a:rPr lang="zh-CN" altLang="en-US" smtClean="0"/>
-              <a:t>2020/8/2</a:t>
+              <a:t>2020/8/3</a:t>
             </a:fld>
             <a:endParaRPr lang="zh-CN" altLang="en-US"/>
           </a:p>
@@ -3507,6 +3508,217 @@
           </a:p>
         </p:txBody>
       </p:sp>
+    </p:spTree>
+    <p:extLst>
+      <p:ext uri="{BB962C8B-B14F-4D97-AF65-F5344CB8AC3E}">
+        <p14:creationId xmlns:p14="http://schemas.microsoft.com/office/powerpoint/2010/main" val="2220073405"/>
+      </p:ext>
+    </p:extLst>
+  </p:cSld>
+  <p:clrMapOvr>
+    <a:masterClrMapping/>
+  </p:clrMapOvr>
+</p:sld>
+</file>
+
+<file path=ppt/slides/slide2.xml><?xml version="1.0" encoding="utf-8"?>
+<p:sld xmlns:a="http://schemas.openxmlformats.org/drawingml/2006/main" xmlns:r="http://schemas.openxmlformats.org/officeDocument/2006/relationships" xmlns:p="http://schemas.openxmlformats.org/presentationml/2006/main">
+  <p:cSld>
+    <p:spTree>
+      <p:nvGrpSpPr>
+        <p:cNvPr id="1" name=""/>
+        <p:cNvGrpSpPr/>
+        <p:nvPr/>
+      </p:nvGrpSpPr>
+      <p:grpSpPr>
+        <a:xfrm>
+          <a:off x="0" y="0"/>
+          <a:ext cx="0" cy="0"/>
+          <a:chOff x="0" y="0"/>
+          <a:chExt cx="0" cy="0"/>
+        </a:xfrm>
+      </p:grpSpPr>
+      <p:pic>
+        <p:nvPicPr>
+          <p:cNvPr id="10" name="图片 9">
+            <a:extLst>
+              <a:ext uri="{FF2B5EF4-FFF2-40B4-BE49-F238E27FC236}">
+                <a16:creationId xmlns:a16="http://schemas.microsoft.com/office/drawing/2014/main" id="{AF235F99-02A5-4D13-B323-53D44649EC61}"/>
+              </a:ext>
+            </a:extLst>
+          </p:cNvPr>
+          <p:cNvPicPr>
+            <a:picLocks noChangeAspect="1"/>
+          </p:cNvPicPr>
+          <p:nvPr/>
+        </p:nvPicPr>
+        <p:blipFill>
+          <a:blip r:embed="rId2">
+            <a:extLst>
+              <a:ext uri="{BEBA8EAE-BF5A-486C-A8C5-ECC9F3942E4B}">
+                <a14:imgProps xmlns:a14="http://schemas.microsoft.com/office/drawing/2010/main">
+                  <a14:imgLayer r:embed="rId3">
+                    <a14:imgEffect>
+                      <a14:artisticTexturizer/>
+                    </a14:imgEffect>
+                  </a14:imgLayer>
+                </a14:imgProps>
+              </a:ext>
+              <a:ext uri="{28A0092B-C50C-407E-A947-70E740481C1C}">
+                <a14:useLocalDpi xmlns:a14="http://schemas.microsoft.com/office/drawing/2010/main" val="0"/>
+              </a:ext>
+            </a:extLst>
+          </a:blip>
+          <a:stretch>
+            <a:fillRect/>
+          </a:stretch>
+        </p:blipFill>
+        <p:spPr>
+          <a:xfrm>
+            <a:off x="0" y="0"/>
+            <a:ext cx="12192000" cy="6858000"/>
+          </a:xfrm>
+          <a:prstGeom prst="rect">
+            <a:avLst/>
+          </a:prstGeom>
+          <a:noFill/>
+        </p:spPr>
+      </p:pic>
+      <p:sp>
+        <p:nvSpPr>
+          <p:cNvPr id="9" name="矩形 8">
+            <a:extLst>
+              <a:ext uri="{FF2B5EF4-FFF2-40B4-BE49-F238E27FC236}">
+                <a16:creationId xmlns:a16="http://schemas.microsoft.com/office/drawing/2014/main" id="{385DFA79-37B3-4A0C-8215-5B38D44A8DB2}"/>
+              </a:ext>
+            </a:extLst>
+          </p:cNvPr>
+          <p:cNvSpPr/>
+          <p:nvPr/>
+        </p:nvSpPr>
+        <p:spPr>
+          <a:xfrm>
+            <a:off x="1" y="0"/>
+            <a:ext cx="2551368" cy="6858000"/>
+          </a:xfrm>
+          <a:prstGeom prst="rect">
+            <a:avLst/>
+          </a:prstGeom>
+          <a:gradFill flip="none" rotWithShape="1">
+            <a:gsLst>
+              <a:gs pos="30000">
+                <a:srgbClr val="FF0000">
+                  <a:lumMod val="100000"/>
+                  <a:alpha val="77000"/>
+                </a:srgbClr>
+              </a:gs>
+              <a:gs pos="76000">
+                <a:srgbClr val="C00000">
+                  <a:lumMod val="72000"/>
+                  <a:lumOff val="28000"/>
+                  <a:alpha val="50000"/>
+                </a:srgbClr>
+              </a:gs>
+            </a:gsLst>
+            <a:lin ang="1200000" scaled="0"/>
+            <a:tileRect/>
+          </a:gradFill>
+          <a:ln>
+            <a:noFill/>
+          </a:ln>
+        </p:spPr>
+        <p:style>
+          <a:lnRef idx="2">
+            <a:schemeClr val="accent1">
+              <a:shade val="50000"/>
+            </a:schemeClr>
+          </a:lnRef>
+          <a:fillRef idx="1">
+            <a:schemeClr val="accent1"/>
+          </a:fillRef>
+          <a:effectRef idx="0">
+            <a:schemeClr val="accent1"/>
+          </a:effectRef>
+          <a:fontRef idx="minor">
+            <a:schemeClr val="lt1"/>
+          </a:fontRef>
+        </p:style>
+        <p:txBody>
+          <a:bodyPr rot="0" spcFirstLastPara="0" vertOverflow="overflow" horzOverflow="overflow" vert="horz" wrap="square" lIns="91440" tIns="45720" rIns="91440" bIns="45720" numCol="1" spcCol="0" rtlCol="0" fromWordArt="0" anchor="ctr" anchorCtr="0" forceAA="0" compatLnSpc="1">
+            <a:prstTxWarp prst="textNoShape">
+              <a:avLst/>
+            </a:prstTxWarp>
+            <a:noAutofit/>
+          </a:bodyPr>
+          <a:lstStyle/>
+          <a:p>
+            <a:pPr algn="ctr"/>
+            <a:endParaRPr lang="zh-CN" altLang="en-US" dirty="0">
+              <a:ln w="0"/>
+              <a:solidFill>
+                <a:schemeClr val="accent1"/>
+              </a:solidFill>
+              <a:effectLst>
+                <a:outerShdw blurRad="38100" dist="25400" dir="5400000" algn="ctr" rotWithShape="0">
+                  <a:srgbClr val="6E747A">
+                    <a:alpha val="43000"/>
+                  </a:srgbClr>
+                </a:outerShdw>
+              </a:effectLst>
+            </a:endParaRPr>
+          </a:p>
+        </p:txBody>
+      </p:sp>
+      <p:sp>
+        <p:nvSpPr>
+          <p:cNvPr id="6" name="文本框 5">
+            <a:extLst>
+              <a:ext uri="{FF2B5EF4-FFF2-40B4-BE49-F238E27FC236}">
+                <a16:creationId xmlns:a16="http://schemas.microsoft.com/office/drawing/2014/main" id="{F8092C2E-4F7B-43EE-BF7A-CE9A7BC60A0B}"/>
+              </a:ext>
+            </a:extLst>
+          </p:cNvPr>
+          <p:cNvSpPr txBox="1">
+            <a:spLocks/>
+          </p:cNvSpPr>
+          <p:nvPr/>
+        </p:nvSpPr>
+        <p:spPr>
+          <a:xfrm>
+            <a:off x="989443" y="2602523"/>
+            <a:ext cx="615553" cy="1528624"/>
+          </a:xfrm>
+          <a:prstGeom prst="rect">
+            <a:avLst/>
+          </a:prstGeom>
+          <a:noFill/>
+        </p:spPr>
+        <p:txBody>
+          <a:bodyPr vert="eaVert" wrap="none" tIns="36000" rtlCol="0" anchor="ctr" anchorCtr="0">
+            <a:normAutofit/>
+            <a:scene3d>
+              <a:camera prst="orthographicFront"/>
+              <a:lightRig rig="threePt" dir="t"/>
+            </a:scene3d>
+            <a:sp3d extrusionH="57150">
+              <a:bevelT w="69850" h="38100" prst="cross"/>
+            </a:sp3d>
+          </a:bodyPr>
+          <a:lstStyle/>
+          <a:p>
+            <a:r>
+              <a:rPr lang="zh-CN" altLang="en-US" sz="2800" dirty="0">
+                <a:solidFill>
+                  <a:schemeClr val="bg1"/>
+                </a:solidFill>
+                <a:latin typeface="文悦新青年体 (非商业使用) W8" pitchFamily="50" charset="-122"/>
+                <a:ea typeface="文悦新青年体 (非商业使用) W8" pitchFamily="50" charset="-122"/>
+              </a:rPr>
+              <a:t>支付系统</a:t>
+            </a:r>
+          </a:p>
+        </p:txBody>
+      </p:sp>
       <p:sp>
         <p:nvSpPr>
           <p:cNvPr id="8" name="文本框 7">
@@ -3562,7 +3774,7 @@
     </p:spTree>
     <p:extLst>
       <p:ext uri="{BB962C8B-B14F-4D97-AF65-F5344CB8AC3E}">
-        <p14:creationId xmlns:p14="http://schemas.microsoft.com/office/powerpoint/2010/main" val="2220073405"/>
+        <p14:creationId xmlns:p14="http://schemas.microsoft.com/office/powerpoint/2010/main" val="1533379929"/>
       </p:ext>
     </p:extLst>
   </p:cSld>
